--- a/hunting-bears-barry.pptx
+++ b/hunting-bears-barry.pptx
@@ -7389,8 +7389,8 @@
           </a:prstGeom>
         </p:spPr>
       </p:pic>
-      <mc:AlternateContent xmlns:mc="http://schemas.openxmlformats.org/markup-compatibility/2006">
-        <mc:Choice xmlns:p14="http://schemas.microsoft.com/office/powerpoint/2010/main" Requires="p14">
+      <mc:AlternateContent xmlns:mc="http://schemas.openxmlformats.org/markup-compatibility/2006" xmlns:p14="http://schemas.microsoft.com/office/powerpoint/2010/main">
+        <mc:Choice Requires="p14">
           <p:contentPart p14:bwMode="auto" r:id="rId4">
             <p14:nvContentPartPr>
               <p14:cNvPr id="7" name="Ink 7">
@@ -7409,7 +7409,7 @@
             </p14:xfrm>
           </p:contentPart>
         </mc:Choice>
-        <mc:Fallback>
+        <mc:Fallback xmlns="">
           <p:pic>
             <p:nvPicPr>
               <p:cNvPr id="7" name="Ink 7">
@@ -7440,8 +7440,8 @@
           </p:pic>
         </mc:Fallback>
       </mc:AlternateContent>
-      <mc:AlternateContent xmlns:mc="http://schemas.openxmlformats.org/markup-compatibility/2006">
-        <mc:Choice xmlns:p14="http://schemas.microsoft.com/office/powerpoint/2010/main" Requires="p14">
+      <mc:AlternateContent xmlns:mc="http://schemas.openxmlformats.org/markup-compatibility/2006" xmlns:p14="http://schemas.microsoft.com/office/powerpoint/2010/main">
+        <mc:Choice Requires="p14">
           <p:contentPart p14:bwMode="auto" r:id="rId6">
             <p14:nvContentPartPr>
               <p14:cNvPr id="25" name="Ink 24">
@@ -7460,7 +7460,7 @@
             </p14:xfrm>
           </p:contentPart>
         </mc:Choice>
-        <mc:Fallback>
+        <mc:Fallback xmlns="">
           <p:pic>
             <p:nvPicPr>
               <p:cNvPr id="25" name="Ink 24">
@@ -7491,8 +7491,8 @@
           </p:pic>
         </mc:Fallback>
       </mc:AlternateContent>
-      <mc:AlternateContent xmlns:mc="http://schemas.openxmlformats.org/markup-compatibility/2006">
-        <mc:Choice xmlns:p14="http://schemas.microsoft.com/office/powerpoint/2010/main" Requires="p14">
+      <mc:AlternateContent xmlns:mc="http://schemas.openxmlformats.org/markup-compatibility/2006" xmlns:p14="http://schemas.microsoft.com/office/powerpoint/2010/main">
+        <mc:Choice Requires="p14">
           <p:contentPart p14:bwMode="auto" r:id="rId8">
             <p14:nvContentPartPr>
               <p14:cNvPr id="26" name="Ink 27">
@@ -7511,7 +7511,7 @@
             </p14:xfrm>
           </p:contentPart>
         </mc:Choice>
-        <mc:Fallback>
+        <mc:Fallback xmlns="">
           <p:pic>
             <p:nvPicPr>
               <p:cNvPr id="26" name="Ink 27">
@@ -7542,8 +7542,8 @@
           </p:pic>
         </mc:Fallback>
       </mc:AlternateContent>
-      <mc:AlternateContent xmlns:mc="http://schemas.openxmlformats.org/markup-compatibility/2006">
-        <mc:Choice xmlns:p14="http://schemas.microsoft.com/office/powerpoint/2010/main" Requires="p14">
+      <mc:AlternateContent xmlns:mc="http://schemas.openxmlformats.org/markup-compatibility/2006" xmlns:p14="http://schemas.microsoft.com/office/powerpoint/2010/main">
+        <mc:Choice Requires="p14">
           <p:contentPart p14:bwMode="auto" r:id="rId10">
             <p14:nvContentPartPr>
               <p14:cNvPr id="27" name="Ink 28">
@@ -7562,7 +7562,7 @@
             </p14:xfrm>
           </p:contentPart>
         </mc:Choice>
-        <mc:Fallback>
+        <mc:Fallback xmlns="">
           <p:pic>
             <p:nvPicPr>
               <p:cNvPr id="27" name="Ink 28">
@@ -8938,14 +8938,14 @@
           <p:nvPr>
             <p:extLst>
               <p:ext uri="{D42A27DB-BD31-4B8C-83A1-F6EECF244321}">
-                <p14:modId xmlns:p14="http://schemas.microsoft.com/office/powerpoint/2010/main" val="1339466449"/>
+                <p14:modId xmlns:p14="http://schemas.microsoft.com/office/powerpoint/2010/main" val="3887657117"/>
               </p:ext>
             </p:extLst>
           </p:nvPr>
         </p:nvGraphicFramePr>
         <p:xfrm>
           <a:off x="7291131" y="4054793"/>
-          <a:ext cx="4532920" cy="2011680"/>
+          <a:ext cx="4532920" cy="1645920"/>
         </p:xfrm>
         <a:graphic>
           <a:graphicData uri="http://schemas.openxmlformats.org/drawingml/2006/table">
@@ -9018,16 +9018,6 @@
                         <a:t>VMRay</a:t>
                       </a:r>
                       <a:endParaRPr lang="en-US" sz="2400" dirty="0"/>
-                    </a:p>
-                    <a:p>
-                      <a:pPr marL="285750" indent="-285750">
-                        <a:buFont typeface="Arial" panose="020B0604020202020204" pitchFamily="34" charset="0"/>
-                        <a:buChar char="•"/>
-                      </a:pPr>
-                      <a:r>
-                        <a:rPr lang="en-US" sz="2400" dirty="0"/>
-                        <a:t>AlienVault</a:t>
-                      </a:r>
                     </a:p>
                   </a:txBody>
                   <a:tcPr/>
@@ -9166,14 +9156,14 @@
           <p:nvPr>
             <p:extLst>
               <p:ext uri="{D42A27DB-BD31-4B8C-83A1-F6EECF244321}">
-                <p14:modId xmlns:p14="http://schemas.microsoft.com/office/powerpoint/2010/main" val="2076909439"/>
+                <p14:modId xmlns:p14="http://schemas.microsoft.com/office/powerpoint/2010/main" val="4208572944"/>
               </p:ext>
             </p:extLst>
           </p:nvPr>
         </p:nvGraphicFramePr>
         <p:xfrm>
           <a:off x="3795357" y="4054793"/>
-          <a:ext cx="3203106" cy="1645920"/>
+          <a:ext cx="3203106" cy="914400"/>
         </p:xfrm>
         <a:graphic>
           <a:graphicData uri="http://schemas.openxmlformats.org/drawingml/2006/table">
@@ -9198,7 +9188,7 @@
                     <a:p>
                       <a:r>
                         <a:rPr lang="en-US" sz="2400" dirty="0"/>
-                        <a:t>Historical Websites</a:t>
+                        <a:t>Archiving Content</a:t>
                       </a:r>
                     </a:p>
                   </a:txBody>
@@ -9222,32 +9212,9 @@
                       </a:pPr>
                       <a:r>
                         <a:rPr lang="en-US" sz="2400" dirty="0" err="1"/>
-                        <a:t>Wayback</a:t>
-                      </a:r>
-                      <a:r>
-                        <a:rPr lang="en-US" sz="2400" dirty="0"/>
-                        <a:t> Machine</a:t>
-                      </a:r>
-                    </a:p>
-                    <a:p>
-                      <a:pPr marL="285750" indent="-285750">
-                        <a:buFont typeface="Arial" panose="020B0604020202020204" pitchFamily="34" charset="0"/>
-                        <a:buChar char="•"/>
-                      </a:pPr>
-                      <a:r>
-                        <a:rPr lang="en-US" sz="2400" dirty="0"/>
-                        <a:t>Archive.is</a:t>
-                      </a:r>
-                    </a:p>
-                    <a:p>
-                      <a:pPr marL="285750" indent="-285750">
-                        <a:buFont typeface="Arial" panose="020B0604020202020204" pitchFamily="34" charset="0"/>
-                        <a:buChar char="•"/>
-                      </a:pPr>
-                      <a:r>
-                        <a:rPr lang="en-US" sz="2400" dirty="0"/>
                         <a:t>WebRecorder.io</a:t>
                       </a:r>
+                      <a:endParaRPr lang="en-US" sz="2400" dirty="0"/>
                     </a:p>
                   </a:txBody>
                   <a:tcPr/>

--- a/hunting-bears-barry.pptx
+++ b/hunting-bears-barry.pptx
@@ -4455,9 +4455,10 @@
               <a:t>bit.ly</a:t>
             </a:r>
             <a:r>
-              <a:rPr lang="en-US" dirty="0"/>
-              <a:t>/nicar19-bears</a:t>
-            </a:r>
+              <a:rPr lang="en-US"/>
+              <a:t>/nicar19-cyberwar</a:t>
+            </a:r>
+            <a:endParaRPr lang="en-US" dirty="0"/>
           </a:p>
         </p:txBody>
       </p:sp>
